--- a/SUBTHEME/graphs/softetherVPN.pptx
+++ b/SUBTHEME/graphs/softetherVPN.pptx
@@ -4916,8 +4916,8 @@
           <a:lstStyle/>
           <a:p>
             <a:r>
-              <a:rPr kumimoji="1" lang="en-US" altLang="ja-JP" sz="2400" dirty="0"/>
-              <a:t>10.1.1.6</a:t>
+              <a:rPr kumimoji="1" lang="en-US" altLang="ja-JP" sz="2400"/>
+              <a:t>10.1.1.7</a:t>
             </a:r>
             <a:endParaRPr kumimoji="1" lang="ja-JP" altLang="en-US" sz="2400"/>
           </a:p>
